--- a/Documents/Week 09 git concept.pptx
+++ b/Documents/Week 09 git concept.pptx
@@ -6,11 +6,12 @@
   </p:sldMasterIdLst>
   <p:sldIdLst>
     <p:sldId id="256" r:id="rId18"/>
-    <p:sldId id="257" r:id="rId19"/>
-    <p:sldId id="258" r:id="rId20"/>
-    <p:sldId id="259" r:id="rId21"/>
-    <p:sldId id="260" r:id="rId22"/>
-    <p:sldId id="261" r:id="rId23"/>
+    <p:sldId id="262" r:id="rId19"/>
+    <p:sldId id="257" r:id="rId20"/>
+    <p:sldId id="258" r:id="rId21"/>
+    <p:sldId id="259" r:id="rId22"/>
+    <p:sldId id="260" r:id="rId23"/>
+    <p:sldId id="261" r:id="rId24"/>
   </p:sldIdLst>
   <p:sldSz cx="12192000" cy="6858000"/>
   <p:notesSz cx="6858000" cy="9144000"/>
@@ -3912,11 +3913,24 @@
         </p:nvSpPr>
         <p:spPr/>
         <p:txBody>
-          <a:bodyPr/>
+          <a:bodyPr>
+            <a:normAutofit/>
+          </a:bodyPr>
           <a:lstStyle/>
           <a:p>
             <a:r>
-              <a:rPr lang="en-US" dirty="0"/>
+              <a:rPr lang="en-US" sz="8800" b="1" dirty="0">
+                <a:solidFill>
+                  <a:srgbClr val="C00000"/>
+                </a:solidFill>
+                <a:effectLst>
+                  <a:outerShdw blurRad="38100" dist="38100" dir="2700000" algn="tl">
+                    <a:srgbClr val="000000">
+                      <a:alpha val="43137"/>
+                    </a:srgbClr>
+                  </a:outerShdw>
+                </a:effectLst>
+              </a:rPr>
               <a:t>Git Concept</a:t>
             </a:r>
           </a:p>
@@ -3964,6 +3978,95 @@
 </file>
 
 <file path=ppt/slides/slide2.xml><?xml version="1.0" encoding="utf-8"?>
+<p:sld xmlns:a="http://schemas.openxmlformats.org/drawingml/2006/main" xmlns:r="http://schemas.openxmlformats.org/officeDocument/2006/relationships" xmlns:p="http://schemas.openxmlformats.org/presentationml/2006/main">
+  <p:cSld>
+    <p:spTree>
+      <p:nvGrpSpPr>
+        <p:cNvPr id="1" name=""/>
+        <p:cNvGrpSpPr/>
+        <p:nvPr/>
+      </p:nvGrpSpPr>
+      <p:grpSpPr>
+        <a:xfrm>
+          <a:off x="0" y="0"/>
+          <a:ext cx="0" cy="0"/>
+          <a:chOff x="0" y="0"/>
+          <a:chExt cx="0" cy="0"/>
+        </a:xfrm>
+      </p:grpSpPr>
+      <p:sp>
+        <p:nvSpPr>
+          <p:cNvPr id="4" name="TextBox 3">
+            <a:extLst>
+              <a:ext uri="{FF2B5EF4-FFF2-40B4-BE49-F238E27FC236}">
+                <a16:creationId xmlns:a16="http://schemas.microsoft.com/office/drawing/2014/main" id="{0996CAAF-F215-4141-98BB-15B4C5ECC2AB}"/>
+              </a:ext>
+            </a:extLst>
+          </p:cNvPr>
+          <p:cNvSpPr txBox="1"/>
+          <p:nvPr/>
+        </p:nvSpPr>
+        <p:spPr>
+          <a:xfrm>
+            <a:off x="0" y="843677"/>
+            <a:ext cx="12192000" cy="2585323"/>
+          </a:xfrm>
+          <a:prstGeom prst="rect">
+            <a:avLst/>
+          </a:prstGeom>
+          <a:noFill/>
+        </p:spPr>
+        <p:txBody>
+          <a:bodyPr wrap="square" rtlCol="0">
+            <a:spAutoFit/>
+          </a:bodyPr>
+          <a:lstStyle/>
+          <a:p>
+            <a:pPr algn="ctr"/>
+            <a:r>
+              <a:rPr lang="en-US" sz="5400" dirty="0">
+                <a:solidFill>
+                  <a:srgbClr val="FF0000"/>
+                </a:solidFill>
+              </a:rPr>
+              <a:t>Version Control Software</a:t>
+            </a:r>
+          </a:p>
+          <a:p>
+            <a:pPr algn="ctr"/>
+            <a:endParaRPr lang="en-US" sz="5400" dirty="0">
+              <a:solidFill>
+                <a:srgbClr val="FF0000"/>
+              </a:solidFill>
+            </a:endParaRPr>
+          </a:p>
+          <a:p>
+            <a:pPr algn="ctr"/>
+            <a:r>
+              <a:rPr lang="en-US" sz="5400" dirty="0">
+                <a:solidFill>
+                  <a:srgbClr val="FF0000"/>
+                </a:solidFill>
+              </a:rPr>
+              <a:t>??????</a:t>
+            </a:r>
+          </a:p>
+        </p:txBody>
+      </p:sp>
+    </p:spTree>
+    <p:extLst>
+      <p:ext uri="{BB962C8B-B14F-4D97-AF65-F5344CB8AC3E}">
+        <p14:creationId xmlns:p14="http://schemas.microsoft.com/office/powerpoint/2010/main" val="1087587676"/>
+      </p:ext>
+    </p:extLst>
+  </p:cSld>
+  <p:clrMapOvr>
+    <a:masterClrMapping/>
+  </p:clrMapOvr>
+</p:sld>
+</file>
+
+<file path=ppt/slides/slide3.xml><?xml version="1.0" encoding="utf-8"?>
 <p:sld xmlns:a="http://schemas.openxmlformats.org/drawingml/2006/main" xmlns:r="http://schemas.openxmlformats.org/officeDocument/2006/relationships" xmlns:p="http://schemas.openxmlformats.org/presentationml/2006/main">
   <p:cSld>
     <p:spTree>
@@ -8868,7 +8971,7 @@
 </p:sld>
 </file>
 
-<file path=ppt/slides/slide3.xml><?xml version="1.0" encoding="utf-8"?>
+<file path=ppt/slides/slide4.xml><?xml version="1.0" encoding="utf-8"?>
 <p:sld xmlns:a="http://schemas.openxmlformats.org/drawingml/2006/main" xmlns:r="http://schemas.openxmlformats.org/officeDocument/2006/relationships" xmlns:p="http://schemas.openxmlformats.org/presentationml/2006/main">
   <p:cSld>
     <p:spTree>
@@ -10869,7 +10972,7 @@
 </p:sld>
 </file>
 
-<file path=ppt/slides/slide4.xml><?xml version="1.0" encoding="utf-8"?>
+<file path=ppt/slides/slide5.xml><?xml version="1.0" encoding="utf-8"?>
 <p:sld xmlns:a="http://schemas.openxmlformats.org/drawingml/2006/main" xmlns:r="http://schemas.openxmlformats.org/officeDocument/2006/relationships" xmlns:p="http://schemas.openxmlformats.org/presentationml/2006/main">
   <p:cSld>
     <p:spTree>
@@ -12251,7 +12354,7 @@
 </p:sld>
 </file>
 
-<file path=ppt/slides/slide5.xml><?xml version="1.0" encoding="utf-8"?>
+<file path=ppt/slides/slide6.xml><?xml version="1.0" encoding="utf-8"?>
 <p:sld xmlns:a="http://schemas.openxmlformats.org/drawingml/2006/main" xmlns:r="http://schemas.openxmlformats.org/officeDocument/2006/relationships" xmlns:p="http://schemas.openxmlformats.org/presentationml/2006/main">
   <p:cSld>
     <p:spTree>
@@ -13535,7 +13638,7 @@
 </p:sld>
 </file>
 
-<file path=ppt/slides/slide6.xml><?xml version="1.0" encoding="utf-8"?>
+<file path=ppt/slides/slide7.xml><?xml version="1.0" encoding="utf-8"?>
 <p:sld xmlns:a="http://schemas.openxmlformats.org/drawingml/2006/main" xmlns:r="http://schemas.openxmlformats.org/officeDocument/2006/relationships" xmlns:p="http://schemas.openxmlformats.org/presentationml/2006/main">
   <p:cSld>
     <p:spTree>
@@ -15054,7 +15157,7 @@
 </file>
 
 <file path=customXml/itemProps1.xml><?xml version="1.0" encoding="utf-8"?>
-<ds:datastoreItem xmlns:ds="http://schemas.openxmlformats.org/officeDocument/2006/customXml" ds:itemID="{D71ABB78-474C-472C-881A-CDD6B69EEE6E}">
+<ds:datastoreItem xmlns:ds="http://schemas.openxmlformats.org/officeDocument/2006/customXml" ds:itemID="{84B55581-DE22-4F02-B5A8-CA3A6FE5288E}">
   <ds:schemaRefs>
     <ds:schemaRef ds:uri="http://schemas.microsoft.com/VisualStudio/2011/storyboarding/control"/>
   </ds:schemaRefs>
@@ -15062,6 +15165,14 @@
 </file>
 
 <file path=customXml/itemProps10.xml><?xml version="1.0" encoding="utf-8"?>
+<ds:datastoreItem xmlns:ds="http://schemas.openxmlformats.org/officeDocument/2006/customXml" ds:itemID="{FA5A871B-7BD9-430E-85F0-C1455DEA1BDC}">
+  <ds:schemaRefs>
+    <ds:schemaRef ds:uri="http://schemas.microsoft.com/VisualStudio/2011/storyboarding/control"/>
+  </ds:schemaRefs>
+</ds:datastoreItem>
+</file>
+
+<file path=customXml/itemProps11.xml><?xml version="1.0" encoding="utf-8"?>
 <ds:datastoreItem xmlns:ds="http://schemas.openxmlformats.org/officeDocument/2006/customXml" ds:itemID="{77FD356F-9C01-46BE-AB18-F9D9F89DE168}">
   <ds:schemaRefs>
     <ds:schemaRef ds:uri="http://schemas.microsoft.com/VisualStudio/2011/storyboarding/control"/>
@@ -15069,16 +15180,8 @@
 </ds:datastoreItem>
 </file>
 
-<file path=customXml/itemProps11.xml><?xml version="1.0" encoding="utf-8"?>
-<ds:datastoreItem xmlns:ds="http://schemas.openxmlformats.org/officeDocument/2006/customXml" ds:itemID="{D5212FEF-17B9-4D83-94DF-46D4BBBD4241}">
-  <ds:schemaRefs>
-    <ds:schemaRef ds:uri="http://schemas.microsoft.com/VisualStudio/2011/storyboarding/control"/>
-  </ds:schemaRefs>
-</ds:datastoreItem>
-</file>
-
 <file path=customXml/itemProps12.xml><?xml version="1.0" encoding="utf-8"?>
-<ds:datastoreItem xmlns:ds="http://schemas.openxmlformats.org/officeDocument/2006/customXml" ds:itemID="{7DCE67A3-BBBD-4DDB-9D15-55F2C1983463}">
+<ds:datastoreItem xmlns:ds="http://schemas.openxmlformats.org/officeDocument/2006/customXml" ds:itemID="{C15899CF-4962-4D8A-B97C-FE60EA8D8BA3}">
   <ds:schemaRefs>
     <ds:schemaRef ds:uri="http://schemas.microsoft.com/VisualStudio/2011/storyboarding/control"/>
   </ds:schemaRefs>
@@ -15086,7 +15189,7 @@
 </file>
 
 <file path=customXml/itemProps13.xml><?xml version="1.0" encoding="utf-8"?>
-<ds:datastoreItem xmlns:ds="http://schemas.openxmlformats.org/officeDocument/2006/customXml" ds:itemID="{A7DC7DC7-8EA0-4D9A-97E3-596483AAB63D}">
+<ds:datastoreItem xmlns:ds="http://schemas.openxmlformats.org/officeDocument/2006/customXml" ds:itemID="{0688ACD0-5DB5-4459-9634-ECC2C8081231}">
   <ds:schemaRefs>
     <ds:schemaRef ds:uri="http://schemas.microsoft.com/VisualStudio/2011/storyboarding/control"/>
   </ds:schemaRefs>
@@ -15102,7 +15205,7 @@
 </file>
 
 <file path=customXml/itemProps15.xml><?xml version="1.0" encoding="utf-8"?>
-<ds:datastoreItem xmlns:ds="http://schemas.openxmlformats.org/officeDocument/2006/customXml" ds:itemID="{FA5A871B-7BD9-430E-85F0-C1455DEA1BDC}">
+<ds:datastoreItem xmlns:ds="http://schemas.openxmlformats.org/officeDocument/2006/customXml" ds:itemID="{5985AD1F-CDE4-416B-A1F0-BF4CE24C2827}">
   <ds:schemaRefs>
     <ds:schemaRef ds:uri="http://schemas.microsoft.com/VisualStudio/2011/storyboarding/control"/>
   </ds:schemaRefs>
@@ -15110,6 +15213,38 @@
 </file>
 
 <file path=customXml/itemProps16.xml><?xml version="1.0" encoding="utf-8"?>
+<ds:datastoreItem xmlns:ds="http://schemas.openxmlformats.org/officeDocument/2006/customXml" ds:itemID="{A7DC7DC7-8EA0-4D9A-97E3-596483AAB63D}">
+  <ds:schemaRefs>
+    <ds:schemaRef ds:uri="http://schemas.microsoft.com/VisualStudio/2011/storyboarding/control"/>
+  </ds:schemaRefs>
+</ds:datastoreItem>
+</file>
+
+<file path=customXml/itemProps2.xml><?xml version="1.0" encoding="utf-8"?>
+<ds:datastoreItem xmlns:ds="http://schemas.openxmlformats.org/officeDocument/2006/customXml" ds:itemID="{D3206745-C208-487E-A9D9-5C767CE11319}">
+  <ds:schemaRefs>
+    <ds:schemaRef ds:uri="http://schemas.microsoft.com/VisualStudio/2011/storyboarding/control"/>
+  </ds:schemaRefs>
+</ds:datastoreItem>
+</file>
+
+<file path=customXml/itemProps3.xml><?xml version="1.0" encoding="utf-8"?>
+<ds:datastoreItem xmlns:ds="http://schemas.openxmlformats.org/officeDocument/2006/customXml" ds:itemID="{7DCE67A3-BBBD-4DDB-9D15-55F2C1983463}">
+  <ds:schemaRefs>
+    <ds:schemaRef ds:uri="http://schemas.microsoft.com/VisualStudio/2011/storyboarding/control"/>
+  </ds:schemaRefs>
+</ds:datastoreItem>
+</file>
+
+<file path=customXml/itemProps4.xml><?xml version="1.0" encoding="utf-8"?>
+<ds:datastoreItem xmlns:ds="http://schemas.openxmlformats.org/officeDocument/2006/customXml" ds:itemID="{E8173CE0-2185-4684-BAF3-64E382277F61}">
+  <ds:schemaRefs>
+    <ds:schemaRef ds:uri="http://schemas.microsoft.com/VisualStudio/2011/storyboarding/control"/>
+  </ds:schemaRefs>
+</ds:datastoreItem>
+</file>
+
+<file path=customXml/itemProps5.xml><?xml version="1.0" encoding="utf-8"?>
 <ds:datastoreItem xmlns:ds="http://schemas.openxmlformats.org/officeDocument/2006/customXml" ds:itemID="{627B6775-F42F-40CD-A0D9-FF72D1174BFB}">
   <ds:schemaRefs>
     <ds:schemaRef ds:uri="http://schemas.microsoft.com/VisualStudio/2011/storyboarding/control"/>
@@ -15117,39 +15252,15 @@
 </ds:datastoreItem>
 </file>
 
-<file path=customXml/itemProps2.xml><?xml version="1.0" encoding="utf-8"?>
-<ds:datastoreItem xmlns:ds="http://schemas.openxmlformats.org/officeDocument/2006/customXml" ds:itemID="{E8173CE0-2185-4684-BAF3-64E382277F61}">
+<file path=customXml/itemProps6.xml><?xml version="1.0" encoding="utf-8"?>
+<ds:datastoreItem xmlns:ds="http://schemas.openxmlformats.org/officeDocument/2006/customXml" ds:itemID="{D71ABB78-474C-472C-881A-CDD6B69EEE6E}">
   <ds:schemaRefs>
     <ds:schemaRef ds:uri="http://schemas.microsoft.com/VisualStudio/2011/storyboarding/control"/>
   </ds:schemaRefs>
 </ds:datastoreItem>
 </file>
 
-<file path=customXml/itemProps3.xml><?xml version="1.0" encoding="utf-8"?>
-<ds:datastoreItem xmlns:ds="http://schemas.openxmlformats.org/officeDocument/2006/customXml" ds:itemID="{84B55581-DE22-4F02-B5A8-CA3A6FE5288E}">
-  <ds:schemaRefs>
-    <ds:schemaRef ds:uri="http://schemas.microsoft.com/VisualStudio/2011/storyboarding/control"/>
-  </ds:schemaRefs>
-</ds:datastoreItem>
-</file>
-
-<file path=customXml/itemProps4.xml><?xml version="1.0" encoding="utf-8"?>
-<ds:datastoreItem xmlns:ds="http://schemas.openxmlformats.org/officeDocument/2006/customXml" ds:itemID="{C15899CF-4962-4D8A-B97C-FE60EA8D8BA3}">
-  <ds:schemaRefs>
-    <ds:schemaRef ds:uri="http://schemas.microsoft.com/VisualStudio/2011/storyboarding/control"/>
-  </ds:schemaRefs>
-</ds:datastoreItem>
-</file>
-
-<file path=customXml/itemProps5.xml><?xml version="1.0" encoding="utf-8"?>
-<ds:datastoreItem xmlns:ds="http://schemas.openxmlformats.org/officeDocument/2006/customXml" ds:itemID="{08773472-064C-49AA-9366-CE3E26FAF6AB}">
-  <ds:schemaRefs>
-    <ds:schemaRef ds:uri="http://schemas.microsoft.com/VisualStudio/2011/storyboarding/control"/>
-  </ds:schemaRefs>
-</ds:datastoreItem>
-</file>
-
-<file path=customXml/itemProps6.xml><?xml version="1.0" encoding="utf-8"?>
+<file path=customXml/itemProps7.xml><?xml version="1.0" encoding="utf-8"?>
 <ds:datastoreItem xmlns:ds="http://schemas.openxmlformats.org/officeDocument/2006/customXml" ds:itemID="{FF7AB1E6-610C-40AC-9EF5-433C529E0D9E}">
   <ds:schemaRefs>
     <ds:schemaRef ds:uri="http://schemas.microsoft.com/VisualStudio/2011/storyboarding/control"/>
@@ -15157,16 +15268,8 @@
 </ds:datastoreItem>
 </file>
 
-<file path=customXml/itemProps7.xml><?xml version="1.0" encoding="utf-8"?>
-<ds:datastoreItem xmlns:ds="http://schemas.openxmlformats.org/officeDocument/2006/customXml" ds:itemID="{D3206745-C208-487E-A9D9-5C767CE11319}">
-  <ds:schemaRefs>
-    <ds:schemaRef ds:uri="http://schemas.microsoft.com/VisualStudio/2011/storyboarding/control"/>
-  </ds:schemaRefs>
-</ds:datastoreItem>
-</file>
-
 <file path=customXml/itemProps8.xml><?xml version="1.0" encoding="utf-8"?>
-<ds:datastoreItem xmlns:ds="http://schemas.openxmlformats.org/officeDocument/2006/customXml" ds:itemID="{5985AD1F-CDE4-416B-A1F0-BF4CE24C2827}">
+<ds:datastoreItem xmlns:ds="http://schemas.openxmlformats.org/officeDocument/2006/customXml" ds:itemID="{D5212FEF-17B9-4D83-94DF-46D4BBBD4241}">
   <ds:schemaRefs>
     <ds:schemaRef ds:uri="http://schemas.microsoft.com/VisualStudio/2011/storyboarding/control"/>
   </ds:schemaRefs>
@@ -15174,7 +15277,7 @@
 </file>
 
 <file path=customXml/itemProps9.xml><?xml version="1.0" encoding="utf-8"?>
-<ds:datastoreItem xmlns:ds="http://schemas.openxmlformats.org/officeDocument/2006/customXml" ds:itemID="{0688ACD0-5DB5-4459-9634-ECC2C8081231}">
+<ds:datastoreItem xmlns:ds="http://schemas.openxmlformats.org/officeDocument/2006/customXml" ds:itemID="{08773472-064C-49AA-9366-CE3E26FAF6AB}">
   <ds:schemaRefs>
     <ds:schemaRef ds:uri="http://schemas.microsoft.com/VisualStudio/2011/storyboarding/control"/>
   </ds:schemaRefs>
